--- a/Soufiane Hmimssa.pptx
+++ b/Soufiane Hmimssa.pptx
@@ -5,7 +5,7 @@
     <p:sldMasterId id="2147483648" r:id="rId1"/>
   </p:sldMasterIdLst>
   <p:notesMasterIdLst>
-    <p:notesMasterId r:id="rId17"/>
+    <p:notesMasterId r:id="rId18"/>
   </p:notesMasterIdLst>
   <p:sldIdLst>
     <p:sldId id="266" r:id="rId2"/>
@@ -18,11 +18,12 @@
     <p:sldId id="305" r:id="rId9"/>
     <p:sldId id="278" r:id="rId10"/>
     <p:sldId id="290" r:id="rId11"/>
-    <p:sldId id="291" r:id="rId12"/>
-    <p:sldId id="307" r:id="rId13"/>
-    <p:sldId id="293" r:id="rId14"/>
-    <p:sldId id="295" r:id="rId15"/>
-    <p:sldId id="301" r:id="rId16"/>
+    <p:sldId id="308" r:id="rId12"/>
+    <p:sldId id="291" r:id="rId13"/>
+    <p:sldId id="307" r:id="rId14"/>
+    <p:sldId id="293" r:id="rId15"/>
+    <p:sldId id="295" r:id="rId16"/>
+    <p:sldId id="301" r:id="rId17"/>
   </p:sldIdLst>
   <p:sldSz cx="12192000" cy="6858000"/>
   <p:notesSz cx="6858000" cy="9144000"/>
@@ -136,6 +137,7 @@
             <p14:sldId id="305"/>
             <p14:sldId id="278"/>
             <p14:sldId id="290"/>
+            <p14:sldId id="308"/>
             <p14:sldId id="291"/>
             <p14:sldId id="307"/>
             <p14:sldId id="293"/>
@@ -146,7 +148,7 @@
       </p14:sectionLst>
     </p:ext>
     <p:ext uri="{EFAFB233-063F-42B5-8137-9DF3F51BA10A}">
-      <p15:sldGuideLst xmlns="" xmlns:p15="http://schemas.microsoft.com/office/powerpoint/2012/main"/>
+      <p15:sldGuideLst xmlns:p15="http://schemas.microsoft.com/office/powerpoint/2012/main" xmlns=""/>
     </p:ext>
   </p:extLst>
 </p:presentation>
@@ -606,6 +608,189 @@
 </p:notes>
 </file>
 
+<file path=ppt/notesSlides/notesSlide10.xml><?xml version="1.0" encoding="utf-8"?>
+<p:notes xmlns:a="http://schemas.openxmlformats.org/drawingml/2006/main" xmlns:r="http://schemas.openxmlformats.org/officeDocument/2006/relationships" xmlns:p="http://schemas.openxmlformats.org/presentationml/2006/main">
+  <p:cSld>
+    <p:spTree>
+      <p:nvGrpSpPr>
+        <p:cNvPr id="1" name=""/>
+        <p:cNvGrpSpPr/>
+        <p:nvPr/>
+      </p:nvGrpSpPr>
+      <p:grpSpPr>
+        <a:xfrm>
+          <a:off x="0" y="0"/>
+          <a:ext cx="0" cy="0"/>
+          <a:chOff x="0" y="0"/>
+          <a:chExt cx="0" cy="0"/>
+        </a:xfrm>
+      </p:grpSpPr>
+      <p:sp>
+        <p:nvSpPr>
+          <p:cNvPr id="2" name="Espace réservé de l'image des diapositives 1"/>
+          <p:cNvSpPr>
+            <a:spLocks noGrp="1" noRot="1" noChangeAspect="1"/>
+          </p:cNvSpPr>
+          <p:nvPr>
+            <p:ph type="sldImg"/>
+          </p:nvPr>
+        </p:nvSpPr>
+        <p:spPr/>
+      </p:sp>
+      <p:sp>
+        <p:nvSpPr>
+          <p:cNvPr id="3" name="Espace réservé des commentaires 2"/>
+          <p:cNvSpPr>
+            <a:spLocks noGrp="1"/>
+          </p:cNvSpPr>
+          <p:nvPr>
+            <p:ph type="body" idx="1"/>
+          </p:nvPr>
+        </p:nvSpPr>
+        <p:spPr/>
+        <p:txBody>
+          <a:bodyPr/>
+          <a:lstStyle/>
+          <a:p>
+            <a:r>
+              <a:rPr lang="fr-FR" sz="1200" b="0" kern="1200" dirty="0" smtClean="0">
+                <a:solidFill>
+                  <a:schemeClr val="tx1"/>
+                </a:solidFill>
+                <a:effectLst/>
+                <a:latin typeface="+mn-lt"/>
+                <a:ea typeface="+mn-ea"/>
+                <a:cs typeface="+mn-cs"/>
+              </a:rPr>
+              <a:t>L'architecture utilisée est l’architecture </a:t>
+            </a:r>
+            <a:r>
+              <a:rPr lang="fr-FR" sz="1200" b="0" kern="1200" dirty="0" err="1" smtClean="0">
+                <a:solidFill>
+                  <a:schemeClr val="tx1"/>
+                </a:solidFill>
+                <a:effectLst/>
+                <a:latin typeface="+mn-lt"/>
+                <a:ea typeface="+mn-ea"/>
+                <a:cs typeface="+mn-cs"/>
+              </a:rPr>
+              <a:t>microservices</a:t>
+            </a:r>
+            <a:r>
+              <a:rPr lang="fr-FR" sz="1200" b="0" kern="1200" dirty="0" smtClean="0">
+                <a:solidFill>
+                  <a:schemeClr val="tx1"/>
+                </a:solidFill>
+                <a:effectLst/>
+                <a:latin typeface="+mn-lt"/>
+                <a:ea typeface="+mn-ea"/>
+                <a:cs typeface="+mn-cs"/>
+              </a:rPr>
+              <a:t> qui divise une application comme un ensemble de petits services. Chaque service fonctionne moyennant son propre processus qui communique avec des mécanismes légers. Les services sont développés autour des compétences métiers qui sont déployés d’une façon indépendante par un processus automatisé.</a:t>
+            </a:r>
+          </a:p>
+          <a:p>
+            <a:r>
+              <a:rPr lang="fr-FR" sz="1200" b="0" kern="1200" dirty="0" smtClean="0">
+                <a:solidFill>
+                  <a:schemeClr val="tx1"/>
+                </a:solidFill>
+                <a:effectLst/>
+                <a:latin typeface="+mn-lt"/>
+                <a:ea typeface="+mn-ea"/>
+                <a:cs typeface="+mn-cs"/>
+              </a:rPr>
+              <a:t>Ces services sont isolés et autonomes mais ils communiquent entre eux pour fournir les fonctionnalités nécessaires.</a:t>
+            </a:r>
+            <a:endParaRPr lang="fr-FR" sz="1200" b="1" kern="1200" dirty="0" smtClean="0">
+              <a:solidFill>
+                <a:schemeClr val="tx1"/>
+              </a:solidFill>
+              <a:effectLst/>
+              <a:latin typeface="+mn-lt"/>
+              <a:ea typeface="+mn-ea"/>
+              <a:cs typeface="+mn-cs"/>
+            </a:endParaRPr>
+          </a:p>
+          <a:p>
+            <a:r>
+              <a:rPr lang="fr-FR" sz="1200" kern="1200" dirty="0" smtClean="0">
+                <a:solidFill>
+                  <a:schemeClr val="tx1"/>
+                </a:solidFill>
+                <a:effectLst/>
+                <a:latin typeface="+mn-lt"/>
+                <a:ea typeface="+mn-ea"/>
+                <a:cs typeface="+mn-cs"/>
+              </a:rPr>
+              <a:t>Cette architecture présente plusieurs avantages comme l’hétérogénéité technologique, la résistance contre l’échec, la </a:t>
+            </a:r>
+            <a:r>
+              <a:rPr lang="fr-FR" sz="1200" kern="1200" dirty="0" err="1" smtClean="0">
+                <a:solidFill>
+                  <a:schemeClr val="tx1"/>
+                </a:solidFill>
+                <a:effectLst/>
+                <a:latin typeface="+mn-lt"/>
+                <a:ea typeface="+mn-ea"/>
+                <a:cs typeface="+mn-cs"/>
+              </a:rPr>
+              <a:t>scalabilité</a:t>
+            </a:r>
+            <a:r>
+              <a:rPr lang="fr-FR" sz="1200" kern="1200" dirty="0" smtClean="0">
+                <a:solidFill>
+                  <a:schemeClr val="tx1"/>
+                </a:solidFill>
+                <a:effectLst/>
+                <a:latin typeface="+mn-lt"/>
+                <a:ea typeface="+mn-ea"/>
+                <a:cs typeface="+mn-cs"/>
+              </a:rPr>
+              <a:t> sur mesure, la facilité de déploiement, l’alignement organisationnel, la réutilisabilité, etc.</a:t>
+            </a:r>
+          </a:p>
+          <a:p>
+            <a:endParaRPr lang="fr-FR" dirty="0"/>
+          </a:p>
+        </p:txBody>
+      </p:sp>
+      <p:sp>
+        <p:nvSpPr>
+          <p:cNvPr id="4" name="Espace réservé du numéro de diapositive 3"/>
+          <p:cNvSpPr>
+            <a:spLocks noGrp="1"/>
+          </p:cNvSpPr>
+          <p:nvPr>
+            <p:ph type="sldNum" sz="quarter" idx="10"/>
+          </p:nvPr>
+        </p:nvSpPr>
+        <p:spPr/>
+        <p:txBody>
+          <a:bodyPr/>
+          <a:lstStyle/>
+          <a:p>
+            <a:fld id="{2A26CA14-D7F3-47AF-97AD-82546C32ECC8}" type="slidenum">
+              <a:rPr lang="fr-FR" smtClean="0"/>
+              <a:t>14</a:t>
+            </a:fld>
+            <a:endParaRPr lang="fr-FR" dirty="0"/>
+          </a:p>
+        </p:txBody>
+      </p:sp>
+    </p:spTree>
+    <p:extLst>
+      <p:ext uri="{BB962C8B-B14F-4D97-AF65-F5344CB8AC3E}">
+        <p14:creationId xmlns:p14="http://schemas.microsoft.com/office/powerpoint/2010/main" val="2992447317"/>
+      </p:ext>
+    </p:extLst>
+  </p:cSld>
+  <p:clrMapOvr>
+    <a:masterClrMapping/>
+  </p:clrMapOvr>
+</p:notes>
+</file>
+
 <file path=ppt/notesSlides/notesSlide2.xml><?xml version="1.0" encoding="utf-8"?>
 <p:notes xmlns:a="http://schemas.openxmlformats.org/drawingml/2006/main" xmlns:r="http://schemas.openxmlformats.org/officeDocument/2006/relationships" xmlns:p="http://schemas.openxmlformats.org/presentationml/2006/main">
   <p:cSld>
@@ -1429,67 +1614,23 @@
           <a:bodyPr/>
           <a:lstStyle/>
           <a:p>
-            <a:r>
-              <a:rPr lang="fr-FR" sz="1200" b="0" kern="1200" dirty="0" smtClean="0">
-                <a:solidFill>
-                  <a:schemeClr val="tx1"/>
-                </a:solidFill>
-                <a:effectLst/>
-                <a:latin typeface="+mn-lt"/>
-                <a:ea typeface="+mn-ea"/>
-                <a:cs typeface="+mn-cs"/>
-              </a:rPr>
-              <a:t>L'architecture utilisée est l’architecture </a:t>
-            </a:r>
-            <a:r>
-              <a:rPr lang="fr-FR" sz="1200" b="0" kern="1200" dirty="0" err="1" smtClean="0">
-                <a:solidFill>
-                  <a:schemeClr val="tx1"/>
-                </a:solidFill>
-                <a:effectLst/>
-                <a:latin typeface="+mn-lt"/>
-                <a:ea typeface="+mn-ea"/>
-                <a:cs typeface="+mn-cs"/>
-              </a:rPr>
-              <a:t>microservices</a:t>
-            </a:r>
-            <a:r>
-              <a:rPr lang="fr-FR" sz="1200" b="0" kern="1200" dirty="0" smtClean="0">
-                <a:solidFill>
-                  <a:schemeClr val="tx1"/>
-                </a:solidFill>
-                <a:effectLst/>
-                <a:latin typeface="+mn-lt"/>
-                <a:ea typeface="+mn-ea"/>
-                <a:cs typeface="+mn-cs"/>
-              </a:rPr>
-              <a:t> qui divise une application comme un ensemble de petits services. Chaque service fonctionne moyennant son propre processus qui communique avec des mécanismes légers. Les services sont développés autour des compétences métiers qui sont déployés d’une façon indépendante par un processus automatisé.</a:t>
-            </a:r>
-          </a:p>
-          <a:p>
-            <a:r>
-              <a:rPr lang="fr-FR" sz="1200" b="0" kern="1200" dirty="0" smtClean="0">
-                <a:solidFill>
-                  <a:schemeClr val="tx1"/>
-                </a:solidFill>
-                <a:effectLst/>
-                <a:latin typeface="+mn-lt"/>
-                <a:ea typeface="+mn-ea"/>
-                <a:cs typeface="+mn-cs"/>
-              </a:rPr>
-              <a:t>Ces services sont isolés et autonomes mais ils communiquent entre eux pour fournir les fonctionnalités nécessaires.</a:t>
-            </a:r>
-            <a:endParaRPr lang="fr-FR" sz="1200" b="1" kern="1200" dirty="0" smtClean="0">
-              <a:solidFill>
-                <a:schemeClr val="tx1"/>
-              </a:solidFill>
-              <a:effectLst/>
-              <a:latin typeface="+mn-lt"/>
-              <a:ea typeface="+mn-ea"/>
-              <a:cs typeface="+mn-cs"/>
-            </a:endParaRPr>
-          </a:p>
-          <a:p>
+            <a:pPr marL="0" marR="0" indent="0" algn="l" defTabSz="914400" rtl="0" eaLnBrk="1" fontAlgn="auto" latinLnBrk="0" hangingPunct="1">
+              <a:lnSpc>
+                <a:spcPct val="100000"/>
+              </a:lnSpc>
+              <a:spcBef>
+                <a:spcPts val="0"/>
+              </a:spcBef>
+              <a:spcAft>
+                <a:spcPts val="0"/>
+              </a:spcAft>
+              <a:buClrTx/>
+              <a:buSzTx/>
+              <a:buFontTx/>
+              <a:buNone/>
+              <a:tabLst/>
+              <a:defRPr/>
+            </a:pPr>
             <a:r>
               <a:rPr lang="fr-FR" sz="1200" kern="1200" dirty="0" smtClean="0">
                 <a:solidFill>
@@ -1500,32 +1641,17 @@
                 <a:ea typeface="+mn-ea"/>
                 <a:cs typeface="+mn-cs"/>
               </a:rPr>
-              <a:t>Cette architecture présente plusieurs avantages comme l’hétérogénéité technologique, la résistance contre l’échec, la </a:t>
-            </a:r>
-            <a:r>
-              <a:rPr lang="fr-FR" sz="1200" kern="1200" dirty="0" err="1" smtClean="0">
-                <a:solidFill>
-                  <a:schemeClr val="tx1"/>
-                </a:solidFill>
-                <a:effectLst/>
-                <a:latin typeface="+mn-lt"/>
-                <a:ea typeface="+mn-ea"/>
-                <a:cs typeface="+mn-cs"/>
-              </a:rPr>
-              <a:t>scalabilité</a:t>
-            </a:r>
-            <a:r>
-              <a:rPr lang="fr-FR" sz="1200" kern="1200" dirty="0" smtClean="0">
-                <a:solidFill>
-                  <a:schemeClr val="tx1"/>
-                </a:solidFill>
-                <a:effectLst/>
-                <a:latin typeface="+mn-lt"/>
-                <a:ea typeface="+mn-ea"/>
-                <a:cs typeface="+mn-cs"/>
-              </a:rPr>
-              <a:t> sur mesure, la facilité de déploiement, l’alignement organisationnel, la réutilisabilité, etc.</a:t>
-            </a:r>
+              <a:t>La figure suivante présente les classes de cette application ainsi que les différentes relations entre celles-ci</a:t>
+            </a:r>
+            <a:endParaRPr lang="en-US" sz="1200" kern="1200" dirty="0" smtClean="0">
+              <a:solidFill>
+                <a:schemeClr val="tx1"/>
+              </a:solidFill>
+              <a:effectLst/>
+              <a:latin typeface="+mn-lt"/>
+              <a:ea typeface="+mn-ea"/>
+              <a:cs typeface="+mn-cs"/>
+            </a:endParaRPr>
           </a:p>
           <a:p>
             <a:endParaRPr lang="fr-FR" dirty="0"/>
@@ -1549,7 +1675,7 @@
           <a:p>
             <a:fld id="{2A26CA14-D7F3-47AF-97AD-82546C32ECC8}" type="slidenum">
               <a:rPr lang="fr-FR" smtClean="0"/>
-              <a:t>13</a:t>
+              <a:t>11</a:t>
             </a:fld>
             <a:endParaRPr lang="fr-FR" dirty="0"/>
           </a:p>
@@ -1558,7 +1684,7 @@
     </p:spTree>
     <p:extLst>
       <p:ext uri="{BB962C8B-B14F-4D97-AF65-F5344CB8AC3E}">
-        <p14:creationId xmlns:p14="http://schemas.microsoft.com/office/powerpoint/2010/main" val="2992447317"/>
+        <p14:creationId xmlns:p14="http://schemas.microsoft.com/office/powerpoint/2010/main" val="213313907"/>
       </p:ext>
     </p:extLst>
   </p:cSld>
@@ -4944,11 +5070,6 @@
               </a:rPr>
               <a:t>: </a:t>
             </a:r>
-            <a:endParaRPr lang="fr-FR" sz="1800" dirty="0" smtClean="0">
-              <a:solidFill>
-                <a:schemeClr val="bg1"/>
-              </a:solidFill>
-            </a:endParaRPr>
           </a:p>
           <a:p>
             <a:pPr>
@@ -4966,14 +5087,7 @@
                 <a:latin typeface="Calibri" panose="020F0502020204030204" pitchFamily="34" charset="0"/>
                 <a:cs typeface="Calibri" panose="020F0502020204030204" pitchFamily="34" charset="0"/>
               </a:rPr>
-              <a:t>. </a:t>
-            </a:r>
-            <a:r>
-              <a:rPr lang="fr-FR" sz="2400" b="1" dirty="0">
-                <a:latin typeface="Calibri" panose="020F0502020204030204" pitchFamily="34" charset="0"/>
-                <a:cs typeface="Calibri" panose="020F0502020204030204" pitchFamily="34" charset="0"/>
-              </a:rPr>
-              <a:t>KARAMI FAHD       </a:t>
+              <a:t>. KARAMI FAHD       </a:t>
             </a:r>
           </a:p>
         </p:txBody>
@@ -5468,6 +5582,174 @@
 <file path=ppt/slides/slide11.xml><?xml version="1.0" encoding="utf-8"?>
 <p:sld xmlns:a="http://schemas.openxmlformats.org/drawingml/2006/main" xmlns:r="http://schemas.openxmlformats.org/officeDocument/2006/relationships" xmlns:p="http://schemas.openxmlformats.org/presentationml/2006/main">
   <p:cSld>
+    <p:spTree>
+      <p:nvGrpSpPr>
+        <p:cNvPr id="1" name=""/>
+        <p:cNvGrpSpPr/>
+        <p:nvPr/>
+      </p:nvGrpSpPr>
+      <p:grpSpPr>
+        <a:xfrm>
+          <a:off x="0" y="0"/>
+          <a:ext cx="0" cy="0"/>
+          <a:chOff x="0" y="0"/>
+          <a:chExt cx="0" cy="0"/>
+        </a:xfrm>
+      </p:grpSpPr>
+      <p:sp>
+        <p:nvSpPr>
+          <p:cNvPr id="2" name="Espace réservé du numéro de diapositive 1"/>
+          <p:cNvSpPr>
+            <a:spLocks noGrp="1"/>
+          </p:cNvSpPr>
+          <p:nvPr>
+            <p:ph type="sldNum" sz="quarter" idx="12"/>
+          </p:nvPr>
+        </p:nvSpPr>
+        <p:spPr/>
+        <p:txBody>
+          <a:bodyPr/>
+          <a:lstStyle/>
+          <a:p>
+            <a:fld id="{D2EBC68A-1D2F-4E14-92CA-08C9B353FAA0}" type="slidenum">
+              <a:rPr lang="fr-FR" smtClean="0"/>
+              <a:t>11</a:t>
+            </a:fld>
+            <a:endParaRPr lang="fr-FR" dirty="0"/>
+          </a:p>
+        </p:txBody>
+      </p:sp>
+      <p:sp>
+        <p:nvSpPr>
+          <p:cNvPr id="5" name="Titre 1"/>
+          <p:cNvSpPr>
+            <a:spLocks noGrp="1"/>
+          </p:cNvSpPr>
+          <p:nvPr>
+            <p:ph type="title"/>
+          </p:nvPr>
+        </p:nvSpPr>
+        <p:spPr>
+          <a:xfrm>
+            <a:off x="838200" y="26535"/>
+            <a:ext cx="10515600" cy="1158875"/>
+          </a:xfrm>
+        </p:spPr>
+        <p:txBody>
+          <a:bodyPr>
+            <a:normAutofit/>
+          </a:bodyPr>
+          <a:lstStyle/>
+          <a:p>
+            <a:r>
+              <a:rPr lang="fr-FR" sz="3600" dirty="0" err="1"/>
+              <a:t>Database</a:t>
+            </a:r>
+            <a:r>
+              <a:rPr lang="fr-FR" sz="3600" dirty="0"/>
+              <a:t> </a:t>
+            </a:r>
+            <a:r>
+              <a:rPr lang="fr-FR" sz="3600" dirty="0" err="1" smtClean="0"/>
+              <a:t>établipar</a:t>
+            </a:r>
+            <a:r>
+              <a:rPr lang="fr-FR" sz="3600" dirty="0" smtClean="0"/>
+              <a:t> </a:t>
+            </a:r>
+            <a:r>
+              <a:rPr lang="fr-FR" sz="3600" dirty="0" err="1"/>
+              <a:t>Hibernate</a:t>
+            </a:r>
+            <a:endParaRPr lang="fr-FR" sz="3600" dirty="0"/>
+          </a:p>
+        </p:txBody>
+      </p:sp>
+      <p:pic>
+        <p:nvPicPr>
+          <p:cNvPr id="1026" name="Picture 2"/>
+          <p:cNvPicPr>
+            <a:picLocks noChangeAspect="1" noChangeArrowheads="1"/>
+          </p:cNvPicPr>
+          <p:nvPr/>
+        </p:nvPicPr>
+        <p:blipFill rotWithShape="1">
+          <a:blip r:embed="rId3">
+            <a:extLst>
+              <a:ext uri="{28A0092B-C50C-407E-A947-70E740481C1C}">
+                <a14:useLocalDpi xmlns:a14="http://schemas.microsoft.com/office/drawing/2010/main" val="0"/>
+              </a:ext>
+            </a:extLst>
+          </a:blip>
+          <a:srcRect t="26984"/>
+          <a:stretch/>
+        </p:blipFill>
+        <p:spPr bwMode="auto">
+          <a:xfrm>
+            <a:off x="1382485" y="1251857"/>
+            <a:ext cx="9597400" cy="4604657"/>
+          </a:xfrm>
+          <a:prstGeom prst="rect">
+            <a:avLst/>
+          </a:prstGeom>
+          <a:noFill/>
+          <a:ln>
+            <a:noFill/>
+          </a:ln>
+          <a:effectLst/>
+          <a:extLst>
+            <a:ext uri="{909E8E84-426E-40DD-AFC4-6F175D3DCCD1}">
+              <a14:hiddenFill xmlns:a14="http://schemas.microsoft.com/office/drawing/2010/main">
+                <a:solidFill>
+                  <a:schemeClr val="accent1"/>
+                </a:solidFill>
+              </a14:hiddenFill>
+            </a:ext>
+            <a:ext uri="{91240B29-F687-4F45-9708-019B960494DF}">
+              <a14:hiddenLine xmlns:a14="http://schemas.microsoft.com/office/drawing/2010/main" w="9525">
+                <a:solidFill>
+                  <a:schemeClr val="tx1"/>
+                </a:solidFill>
+                <a:miter lim="800000"/>
+                <a:headEnd/>
+                <a:tailEnd/>
+              </a14:hiddenLine>
+            </a:ext>
+            <a:ext uri="{AF507438-7753-43E0-B8FC-AC1667EBCBE1}">
+              <a14:hiddenEffects xmlns:a14="http://schemas.microsoft.com/office/drawing/2010/main">
+                <a:effectLst>
+                  <a:outerShdw dist="35921" dir="2700000" algn="ctr" rotWithShape="0">
+                    <a:schemeClr val="bg2"/>
+                  </a:outerShdw>
+                </a:effectLst>
+              </a14:hiddenEffects>
+            </a:ext>
+          </a:extLst>
+        </p:spPr>
+      </p:pic>
+    </p:spTree>
+    <p:extLst>
+      <p:ext uri="{BB962C8B-B14F-4D97-AF65-F5344CB8AC3E}">
+        <p14:creationId xmlns:p14="http://schemas.microsoft.com/office/powerpoint/2010/main" val="1866339094"/>
+      </p:ext>
+    </p:extLst>
+  </p:cSld>
+  <p:clrMapOvr>
+    <a:masterClrMapping/>
+  </p:clrMapOvr>
+  <p:timing>
+    <p:tnLst>
+      <p:par>
+        <p:cTn id="1" dur="indefinite" restart="never" nodeType="tmRoot"/>
+      </p:par>
+    </p:tnLst>
+  </p:timing>
+</p:sld>
+</file>
+
+<file path=ppt/slides/slide12.xml><?xml version="1.0" encoding="utf-8"?>
+<p:sld xmlns:a="http://schemas.openxmlformats.org/drawingml/2006/main" xmlns:r="http://schemas.openxmlformats.org/officeDocument/2006/relationships" xmlns:p="http://schemas.openxmlformats.org/presentationml/2006/main">
+  <p:cSld>
     <p:bg>
       <p:bgPr>
         <a:solidFill>
@@ -5551,7 +5833,7 @@
 </p:sld>
 </file>
 
-<file path=ppt/slides/slide12.xml><?xml version="1.0" encoding="utf-8"?>
+<file path=ppt/slides/slide13.xml><?xml version="1.0" encoding="utf-8"?>
 <p:sld xmlns:a="http://schemas.openxmlformats.org/drawingml/2006/main" xmlns:r="http://schemas.openxmlformats.org/officeDocument/2006/relationships" xmlns:p="http://schemas.openxmlformats.org/presentationml/2006/main">
   <p:cSld>
     <p:spTree>
@@ -5585,7 +5867,7 @@
           <a:p>
             <a:fld id="{D2EBC68A-1D2F-4E14-92CA-08C9B353FAA0}" type="slidenum">
               <a:rPr lang="fr-FR" smtClean="0"/>
-              <a:t>12</a:t>
+              <a:t>13</a:t>
             </a:fld>
             <a:endParaRPr lang="fr-FR" dirty="0"/>
           </a:p>
@@ -7461,7 +7743,7 @@
 </p:sld>
 </file>
 
-<file path=ppt/slides/slide13.xml><?xml version="1.0" encoding="utf-8"?>
+<file path=ppt/slides/slide14.xml><?xml version="1.0" encoding="utf-8"?>
 <p:sld xmlns:a="http://schemas.openxmlformats.org/drawingml/2006/main" xmlns:r="http://schemas.openxmlformats.org/officeDocument/2006/relationships" xmlns:p="http://schemas.openxmlformats.org/presentationml/2006/main">
   <p:cSld>
     <p:spTree>
@@ -7495,7 +7777,7 @@
           <a:p>
             <a:fld id="{D2EBC68A-1D2F-4E14-92CA-08C9B353FAA0}" type="slidenum">
               <a:rPr lang="fr-FR" smtClean="0"/>
-              <a:t>13</a:t>
+              <a:t>14</a:t>
             </a:fld>
             <a:endParaRPr lang="fr-FR" dirty="0"/>
           </a:p>
@@ -7755,7 +8037,7 @@
 </p:sld>
 </file>
 
-<file path=ppt/slides/slide14.xml><?xml version="1.0" encoding="utf-8"?>
+<file path=ppt/slides/slide15.xml><?xml version="1.0" encoding="utf-8"?>
 <p:sld xmlns:a="http://schemas.openxmlformats.org/drawingml/2006/main" xmlns:r="http://schemas.openxmlformats.org/officeDocument/2006/relationships" xmlns:p="http://schemas.openxmlformats.org/presentationml/2006/main">
   <p:cSld>
     <p:bg>
@@ -7829,7 +8111,7 @@
 </p:sld>
 </file>
 
-<file path=ppt/slides/slide15.xml><?xml version="1.0" encoding="utf-8"?>
+<file path=ppt/slides/slide16.xml><?xml version="1.0" encoding="utf-8"?>
 <p:sld xmlns:a="http://schemas.openxmlformats.org/drawingml/2006/main" xmlns:r="http://schemas.openxmlformats.org/officeDocument/2006/relationships" xmlns:p="http://schemas.openxmlformats.org/presentationml/2006/main">
   <p:cSld>
     <p:bg>
@@ -8056,7 +8338,6 @@
               <a:rPr lang="fr-FR" sz="3200" dirty="0"/>
               <a:t>du projet </a:t>
             </a:r>
-            <a:endParaRPr lang="fr-FR" sz="3200" dirty="0"/>
           </a:p>
           <a:p>
             <a:pPr marL="514350" indent="-514350">
@@ -8412,7 +8693,6 @@
               <a:rPr lang="fr-FR" dirty="0"/>
               <a:t>(Back-End et création du API) </a:t>
             </a:r>
-            <a:endParaRPr lang="fr-FR" dirty="0"/>
           </a:p>
         </p:txBody>
       </p:sp>
@@ -8618,11 +8898,7 @@
             </a:pPr>
             <a:r>
               <a:rPr lang="fr-FR" dirty="0" smtClean="0"/>
-              <a:t>Les clients doivent s'inscrire et s’authentifier </a:t>
-            </a:r>
-            <a:r>
-              <a:rPr lang="fr-FR" dirty="0" smtClean="0"/>
-              <a:t>.</a:t>
+              <a:t>Les clients doivent s'inscrire et s’authentifier .</a:t>
             </a:r>
             <a:endParaRPr lang="en-US" dirty="0"/>
           </a:p>
@@ -8657,11 +8933,7 @@
             </a:r>
             <a:r>
               <a:rPr lang="fr-FR" dirty="0" smtClean="0"/>
-              <a:t>panier </a:t>
-            </a:r>
-            <a:r>
-              <a:rPr lang="fr-FR" dirty="0" smtClean="0"/>
-              <a:t>.</a:t>
+              <a:t>panier .</a:t>
             </a:r>
             <a:endParaRPr lang="fr-FR" dirty="0"/>
           </a:p>
@@ -9307,7 +9579,6 @@
               <a:rPr lang="fr-FR" sz="4000" dirty="0"/>
               <a:t>Diagramme de use case</a:t>
             </a:r>
-            <a:endParaRPr lang="fr-FR" sz="4000" dirty="0"/>
           </a:p>
         </p:txBody>
       </p:sp>
@@ -9625,7 +9896,7 @@
   <a:extraClrSchemeLst/>
   <a:extLst>
     <a:ext uri="{05A4C25C-085E-4340-85A3-A5531E510DB2}">
-      <thm15:themeFamily xmlns="" xmlns:thm15="http://schemas.microsoft.com/office/thememl/2012/main" name="Office Theme" id="{62F939B6-93AF-4DB8-9C6B-D6C7DFDC589F}" vid="{4A3C46E8-61CC-4603-A589-7422A47A8E4A}"/>
+      <thm15:themeFamily xmlns:thm15="http://schemas.microsoft.com/office/thememl/2012/main" xmlns="" name="Office Theme" id="{62F939B6-93AF-4DB8-9C6B-D6C7DFDC589F}" vid="{4A3C46E8-61CC-4603-A589-7422A47A8E4A}"/>
     </a:ext>
   </a:extLst>
 </a:theme>
@@ -9886,7 +10157,7 @@
   <a:extraClrSchemeLst/>
   <a:extLst>
     <a:ext uri="{05A4C25C-085E-4340-85A3-A5531E510DB2}">
-      <thm15:themeFamily xmlns="" xmlns:thm15="http://schemas.microsoft.com/office/thememl/2012/main" name="Office Theme" id="{62F939B6-93AF-4DB8-9C6B-D6C7DFDC589F}" vid="{4A3C46E8-61CC-4603-A589-7422A47A8E4A}"/>
+      <thm15:themeFamily xmlns:thm15="http://schemas.microsoft.com/office/thememl/2012/main" xmlns="" name="Office Theme" id="{62F939B6-93AF-4DB8-9C6B-D6C7DFDC589F}" vid="{4A3C46E8-61CC-4603-A589-7422A47A8E4A}"/>
     </a:ext>
   </a:extLst>
 </a:theme>

--- a/Soufiane Hmimssa.pptx
+++ b/Soufiane Hmimssa.pptx
@@ -148,7 +148,7 @@
       </p14:sectionLst>
     </p:ext>
     <p:ext uri="{EFAFB233-063F-42B5-8137-9DF3F51BA10A}">
-      <p15:sldGuideLst xmlns:p15="http://schemas.microsoft.com/office/powerpoint/2012/main" xmlns=""/>
+      <p15:sldGuideLst xmlns="" xmlns:p15="http://schemas.microsoft.com/office/powerpoint/2012/main"/>
     </p:ext>
   </p:extLst>
 </p:presentation>
@@ -236,7 +236,7 @@
           <a:p>
             <a:fld id="{C85C5508-7F61-4ECD-8A5C-2188E9574CF3}" type="datetimeFigureOut">
               <a:rPr lang="fr-FR" smtClean="0"/>
-              <a:t>01/07/2020</a:t>
+              <a:t>02/07/2020</a:t>
             </a:fld>
             <a:endParaRPr lang="fr-FR" dirty="0"/>
           </a:p>
@@ -5686,8 +5686,8 @@
         </p:blipFill>
         <p:spPr bwMode="auto">
           <a:xfrm>
-            <a:off x="1382485" y="1251857"/>
-            <a:ext cx="9597400" cy="4604657"/>
+            <a:off x="2329542" y="1774371"/>
+            <a:ext cx="6925069" cy="3322521"/>
           </a:xfrm>
           <a:prstGeom prst="rect">
             <a:avLst/>
@@ -9584,7 +9584,7 @@
       </p:sp>
       <p:pic>
         <p:nvPicPr>
-          <p:cNvPr id="3074" name="Picture 2" descr="L:\Catalogue-WithSpringBootAndReact\UML\UseCaseDiagram3.png"/>
+          <p:cNvPr id="1026" name="Picture 2" descr="L:\Catalogue-WithSpringBootAndReact\UML\UseCaseDiagram3.png"/>
           <p:cNvPicPr>
             <a:picLocks noChangeAspect="1" noChangeArrowheads="1"/>
           </p:cNvPicPr>
@@ -9598,13 +9598,13 @@
               </a:ext>
             </a:extLst>
           </a:blip>
-          <a:srcRect l="18375" t="6130" r="19390" b="38996"/>
+          <a:srcRect l="19862" t="11063" r="19862" b="38576"/>
           <a:stretch/>
         </p:blipFill>
         <p:spPr bwMode="auto">
           <a:xfrm>
-            <a:off x="968829" y="1027906"/>
-            <a:ext cx="7336972" cy="5502608"/>
+            <a:off x="1872348" y="1136758"/>
+            <a:ext cx="7946571" cy="5163999"/>
           </a:xfrm>
           <a:prstGeom prst="rect">
             <a:avLst/>
@@ -9896,7 +9896,7 @@
   <a:extraClrSchemeLst/>
   <a:extLst>
     <a:ext uri="{05A4C25C-085E-4340-85A3-A5531E510DB2}">
-      <thm15:themeFamily xmlns:thm15="http://schemas.microsoft.com/office/thememl/2012/main" xmlns="" name="Office Theme" id="{62F939B6-93AF-4DB8-9C6B-D6C7DFDC589F}" vid="{4A3C46E8-61CC-4603-A589-7422A47A8E4A}"/>
+      <thm15:themeFamily xmlns="" xmlns:thm15="http://schemas.microsoft.com/office/thememl/2012/main" name="Office Theme" id="{62F939B6-93AF-4DB8-9C6B-D6C7DFDC589F}" vid="{4A3C46E8-61CC-4603-A589-7422A47A8E4A}"/>
     </a:ext>
   </a:extLst>
 </a:theme>
@@ -10157,7 +10157,7 @@
   <a:extraClrSchemeLst/>
   <a:extLst>
     <a:ext uri="{05A4C25C-085E-4340-85A3-A5531E510DB2}">
-      <thm15:themeFamily xmlns:thm15="http://schemas.microsoft.com/office/thememl/2012/main" xmlns="" name="Office Theme" id="{62F939B6-93AF-4DB8-9C6B-D6C7DFDC589F}" vid="{4A3C46E8-61CC-4603-A589-7422A47A8E4A}"/>
+      <thm15:themeFamily xmlns="" xmlns:thm15="http://schemas.microsoft.com/office/thememl/2012/main" name="Office Theme" id="{62F939B6-93AF-4DB8-9C6B-D6C7DFDC589F}" vid="{4A3C46E8-61CC-4603-A589-7422A47A8E4A}"/>
     </a:ext>
   </a:extLst>
 </a:theme>
